--- a/figures/ASV l2fc dotplot v3.pptx
+++ b/figures/ASV l2fc dotplot v3.pptx
@@ -243,7 +243,7 @@
           <a:p>
             <a:fld id="{750D5A9B-82AA-4FDF-AC7B-1E80C2F8E892}" type="datetimeFigureOut">
               <a:rPr lang="en-US" smtClean="0"/>
-              <a:t>6/29/2022</a:t>
+              <a:t>11/6/2022</a:t>
             </a:fld>
             <a:endParaRPr lang="en-US"/>
           </a:p>
@@ -413,7 +413,7 @@
           <a:p>
             <a:fld id="{750D5A9B-82AA-4FDF-AC7B-1E80C2F8E892}" type="datetimeFigureOut">
               <a:rPr lang="en-US" smtClean="0"/>
-              <a:t>6/29/2022</a:t>
+              <a:t>11/6/2022</a:t>
             </a:fld>
             <a:endParaRPr lang="en-US"/>
           </a:p>
@@ -593,7 +593,7 @@
           <a:p>
             <a:fld id="{750D5A9B-82AA-4FDF-AC7B-1E80C2F8E892}" type="datetimeFigureOut">
               <a:rPr lang="en-US" smtClean="0"/>
-              <a:t>6/29/2022</a:t>
+              <a:t>11/6/2022</a:t>
             </a:fld>
             <a:endParaRPr lang="en-US"/>
           </a:p>
@@ -763,7 +763,7 @@
           <a:p>
             <a:fld id="{750D5A9B-82AA-4FDF-AC7B-1E80C2F8E892}" type="datetimeFigureOut">
               <a:rPr lang="en-US" smtClean="0"/>
-              <a:t>6/29/2022</a:t>
+              <a:t>11/6/2022</a:t>
             </a:fld>
             <a:endParaRPr lang="en-US"/>
           </a:p>
@@ -1007,7 +1007,7 @@
           <a:p>
             <a:fld id="{750D5A9B-82AA-4FDF-AC7B-1E80C2F8E892}" type="datetimeFigureOut">
               <a:rPr lang="en-US" smtClean="0"/>
-              <a:t>6/29/2022</a:t>
+              <a:t>11/6/2022</a:t>
             </a:fld>
             <a:endParaRPr lang="en-US"/>
           </a:p>
@@ -1239,7 +1239,7 @@
           <a:p>
             <a:fld id="{750D5A9B-82AA-4FDF-AC7B-1E80C2F8E892}" type="datetimeFigureOut">
               <a:rPr lang="en-US" smtClean="0"/>
-              <a:t>6/29/2022</a:t>
+              <a:t>11/6/2022</a:t>
             </a:fld>
             <a:endParaRPr lang="en-US"/>
           </a:p>
@@ -1606,7 +1606,7 @@
           <a:p>
             <a:fld id="{750D5A9B-82AA-4FDF-AC7B-1E80C2F8E892}" type="datetimeFigureOut">
               <a:rPr lang="en-US" smtClean="0"/>
-              <a:t>6/29/2022</a:t>
+              <a:t>11/6/2022</a:t>
             </a:fld>
             <a:endParaRPr lang="en-US"/>
           </a:p>
@@ -1724,7 +1724,7 @@
           <a:p>
             <a:fld id="{750D5A9B-82AA-4FDF-AC7B-1E80C2F8E892}" type="datetimeFigureOut">
               <a:rPr lang="en-US" smtClean="0"/>
-              <a:t>6/29/2022</a:t>
+              <a:t>11/6/2022</a:t>
             </a:fld>
             <a:endParaRPr lang="en-US"/>
           </a:p>
@@ -1819,7 +1819,7 @@
           <a:p>
             <a:fld id="{750D5A9B-82AA-4FDF-AC7B-1E80C2F8E892}" type="datetimeFigureOut">
               <a:rPr lang="en-US" smtClean="0"/>
-              <a:t>6/29/2022</a:t>
+              <a:t>11/6/2022</a:t>
             </a:fld>
             <a:endParaRPr lang="en-US"/>
           </a:p>
@@ -2096,7 +2096,7 @@
           <a:p>
             <a:fld id="{750D5A9B-82AA-4FDF-AC7B-1E80C2F8E892}" type="datetimeFigureOut">
               <a:rPr lang="en-US" smtClean="0"/>
-              <a:t>6/29/2022</a:t>
+              <a:t>11/6/2022</a:t>
             </a:fld>
             <a:endParaRPr lang="en-US"/>
           </a:p>
@@ -2353,7 +2353,7 @@
           <a:p>
             <a:fld id="{750D5A9B-82AA-4FDF-AC7B-1E80C2F8E892}" type="datetimeFigureOut">
               <a:rPr lang="en-US" smtClean="0"/>
-              <a:t>6/29/2022</a:t>
+              <a:t>11/6/2022</a:t>
             </a:fld>
             <a:endParaRPr lang="en-US"/>
           </a:p>
@@ -2566,7 +2566,7 @@
           <a:p>
             <a:fld id="{750D5A9B-82AA-4FDF-AC7B-1E80C2F8E892}" type="datetimeFigureOut">
               <a:rPr lang="en-US" smtClean="0"/>
-              <a:t>6/29/2022</a:t>
+              <a:t>11/6/2022</a:t>
             </a:fld>
             <a:endParaRPr lang="en-US"/>
           </a:p>
@@ -2973,10 +2973,10 @@
       </p:grpSpPr>
       <p:pic>
         <p:nvPicPr>
-          <p:cNvPr id="5" name="Picture 4" descr="Chart&#10;&#10;Description automatically generated">
-            <a:extLst>
-              <a:ext uri="{FF2B5EF4-FFF2-40B4-BE49-F238E27FC236}">
-                <a16:creationId xmlns:a16="http://schemas.microsoft.com/office/drawing/2014/main" id="{006F15BE-592E-6EB8-092E-E5AB586F7E34}"/>
+          <p:cNvPr id="4" name="Picture 3" descr="Chart&#10;&#10;Description automatically generated">
+            <a:extLst>
+              <a:ext uri="{FF2B5EF4-FFF2-40B4-BE49-F238E27FC236}">
+                <a16:creationId xmlns:a16="http://schemas.microsoft.com/office/drawing/2014/main" id="{C4A00DD3-CA81-FD7F-5569-A5807B016880}"/>
               </a:ext>
             </a:extLst>
           </p:cNvPr>
@@ -2999,7 +2999,7 @@
         </p:blipFill>
         <p:spPr>
           <a:xfrm>
-            <a:off x="0" y="0"/>
+            <a:off x="0" y="3833"/>
             <a:ext cx="18288000" cy="13716000"/>
           </a:xfrm>
           <a:prstGeom prst="rect">
@@ -3150,20 +3150,14 @@
             <a:r>
               <a:rPr lang="en-US" sz="1200" b="1" dirty="0" err="1">
                 <a:solidFill>
-                  <a:schemeClr val="tx1">
-                    <a:lumMod val="65000"/>
-                    <a:lumOff val="35000"/>
-                  </a:schemeClr>
+                  <a:srgbClr val="494949"/>
                 </a:solidFill>
               </a:rPr>
               <a:t>Cryomorphaceae</a:t>
             </a:r>
             <a:endParaRPr lang="en-US" sz="1200" b="1" dirty="0">
               <a:solidFill>
-                <a:schemeClr val="tx1">
-                  <a:lumMod val="65000"/>
-                  <a:lumOff val="35000"/>
-                </a:schemeClr>
+                <a:srgbClr val="494949"/>
               </a:solidFill>
             </a:endParaRPr>
           </a:p>
@@ -4349,7 +4343,26 @@
                   </a:schemeClr>
                 </a:solidFill>
               </a:rPr>
-              <a:t>Marine Group II</a:t>
+              <a:t>Marine </a:t>
+            </a:r>
+            <a:r>
+              <a:rPr lang="en-US" sz="1200" b="1" dirty="0">
+                <a:solidFill>
+                  <a:srgbClr val="494949"/>
+                </a:solidFill>
+              </a:rPr>
+              <a:t>Group</a:t>
+            </a:r>
+            <a:r>
+              <a:rPr lang="en-US" sz="1200" b="1" dirty="0">
+                <a:solidFill>
+                  <a:schemeClr val="tx1">
+                    <a:lumMod val="65000"/>
+                    <a:lumOff val="35000"/>
+                  </a:schemeClr>
+                </a:solidFill>
+              </a:rPr>
+              <a:t> II</a:t>
             </a:r>
           </a:p>
         </p:txBody>
@@ -5145,6 +5158,1662 @@
           </a:fontRef>
         </p:style>
       </p:cxnSp>
+      <p:sp>
+        <p:nvSpPr>
+          <p:cNvPr id="18" name="TextBox 17">
+            <a:extLst>
+              <a:ext uri="{FF2B5EF4-FFF2-40B4-BE49-F238E27FC236}">
+                <a16:creationId xmlns:a16="http://schemas.microsoft.com/office/drawing/2014/main" id="{CD0BD52E-D429-0FFA-EB8A-FD1233D5BC36}"/>
+              </a:ext>
+            </a:extLst>
+          </p:cNvPr>
+          <p:cNvSpPr txBox="1"/>
+          <p:nvPr/>
+        </p:nvSpPr>
+        <p:spPr>
+          <a:xfrm>
+            <a:off x="8257872" y="984441"/>
+            <a:ext cx="343948" cy="369332"/>
+          </a:xfrm>
+          <a:prstGeom prst="rect">
+            <a:avLst/>
+          </a:prstGeom>
+          <a:noFill/>
+        </p:spPr>
+        <p:txBody>
+          <a:bodyPr wrap="square" rtlCol="0">
+            <a:spAutoFit/>
+          </a:bodyPr>
+          <a:lstStyle/>
+          <a:p>
+            <a:pPr algn="ctr"/>
+            <a:r>
+              <a:rPr lang="en-US" dirty="0"/>
+              <a:t>*</a:t>
+            </a:r>
+          </a:p>
+        </p:txBody>
+      </p:sp>
+      <p:sp>
+        <p:nvSpPr>
+          <p:cNvPr id="19" name="TextBox 18">
+            <a:extLst>
+              <a:ext uri="{FF2B5EF4-FFF2-40B4-BE49-F238E27FC236}">
+                <a16:creationId xmlns:a16="http://schemas.microsoft.com/office/drawing/2014/main" id="{BEAAF8A9-981F-5DC0-003A-F9E038DC9515}"/>
+              </a:ext>
+            </a:extLst>
+          </p:cNvPr>
+          <p:cNvSpPr txBox="1"/>
+          <p:nvPr/>
+        </p:nvSpPr>
+        <p:spPr>
+          <a:xfrm>
+            <a:off x="8257872" y="6740802"/>
+            <a:ext cx="343948" cy="369332"/>
+          </a:xfrm>
+          <a:prstGeom prst="rect">
+            <a:avLst/>
+          </a:prstGeom>
+          <a:noFill/>
+        </p:spPr>
+        <p:txBody>
+          <a:bodyPr wrap="square" rtlCol="0">
+            <a:spAutoFit/>
+          </a:bodyPr>
+          <a:lstStyle/>
+          <a:p>
+            <a:pPr algn="ctr"/>
+            <a:r>
+              <a:rPr lang="en-US" dirty="0"/>
+              <a:t>*</a:t>
+            </a:r>
+          </a:p>
+        </p:txBody>
+      </p:sp>
+      <p:sp>
+        <p:nvSpPr>
+          <p:cNvPr id="21" name="TextBox 20">
+            <a:extLst>
+              <a:ext uri="{FF2B5EF4-FFF2-40B4-BE49-F238E27FC236}">
+                <a16:creationId xmlns:a16="http://schemas.microsoft.com/office/drawing/2014/main" id="{48629EA7-3CF4-3C94-912B-32F7CA66B1AF}"/>
+              </a:ext>
+            </a:extLst>
+          </p:cNvPr>
+          <p:cNvSpPr txBox="1"/>
+          <p:nvPr/>
+        </p:nvSpPr>
+        <p:spPr>
+          <a:xfrm>
+            <a:off x="11005933" y="1569939"/>
+            <a:ext cx="343948" cy="369332"/>
+          </a:xfrm>
+          <a:prstGeom prst="rect">
+            <a:avLst/>
+          </a:prstGeom>
+          <a:noFill/>
+        </p:spPr>
+        <p:txBody>
+          <a:bodyPr wrap="square" rtlCol="0">
+            <a:spAutoFit/>
+          </a:bodyPr>
+          <a:lstStyle/>
+          <a:p>
+            <a:pPr algn="ctr"/>
+            <a:r>
+              <a:rPr lang="en-US" dirty="0"/>
+              <a:t>*</a:t>
+            </a:r>
+          </a:p>
+        </p:txBody>
+      </p:sp>
+      <p:sp>
+        <p:nvSpPr>
+          <p:cNvPr id="23" name="TextBox 22">
+            <a:extLst>
+              <a:ext uri="{FF2B5EF4-FFF2-40B4-BE49-F238E27FC236}">
+                <a16:creationId xmlns:a16="http://schemas.microsoft.com/office/drawing/2014/main" id="{D2AB06A2-F111-92E7-7314-B7C3C5EC840F}"/>
+              </a:ext>
+            </a:extLst>
+          </p:cNvPr>
+          <p:cNvSpPr txBox="1"/>
+          <p:nvPr/>
+        </p:nvSpPr>
+        <p:spPr>
+          <a:xfrm>
+            <a:off x="5497285" y="6849307"/>
+            <a:ext cx="343948" cy="369332"/>
+          </a:xfrm>
+          <a:prstGeom prst="rect">
+            <a:avLst/>
+          </a:prstGeom>
+          <a:noFill/>
+        </p:spPr>
+        <p:txBody>
+          <a:bodyPr wrap="square" rtlCol="0">
+            <a:spAutoFit/>
+          </a:bodyPr>
+          <a:lstStyle/>
+          <a:p>
+            <a:pPr algn="ctr"/>
+            <a:r>
+              <a:rPr lang="en-US" dirty="0"/>
+              <a:t>*</a:t>
+            </a:r>
+          </a:p>
+        </p:txBody>
+      </p:sp>
+      <p:sp>
+        <p:nvSpPr>
+          <p:cNvPr id="24" name="TextBox 23">
+            <a:extLst>
+              <a:ext uri="{FF2B5EF4-FFF2-40B4-BE49-F238E27FC236}">
+                <a16:creationId xmlns:a16="http://schemas.microsoft.com/office/drawing/2014/main" id="{750176FD-BF1A-72BD-1BB4-AFB5EBD828E7}"/>
+              </a:ext>
+            </a:extLst>
+          </p:cNvPr>
+          <p:cNvSpPr txBox="1"/>
+          <p:nvPr/>
+        </p:nvSpPr>
+        <p:spPr>
+          <a:xfrm>
+            <a:off x="5507283" y="3956654"/>
+            <a:ext cx="343948" cy="369332"/>
+          </a:xfrm>
+          <a:prstGeom prst="rect">
+            <a:avLst/>
+          </a:prstGeom>
+          <a:noFill/>
+        </p:spPr>
+        <p:txBody>
+          <a:bodyPr wrap="square" rtlCol="0">
+            <a:spAutoFit/>
+          </a:bodyPr>
+          <a:lstStyle/>
+          <a:p>
+            <a:pPr algn="ctr"/>
+            <a:r>
+              <a:rPr lang="en-US" dirty="0"/>
+              <a:t>*</a:t>
+            </a:r>
+          </a:p>
+        </p:txBody>
+      </p:sp>
+      <p:sp>
+        <p:nvSpPr>
+          <p:cNvPr id="25" name="TextBox 24">
+            <a:extLst>
+              <a:ext uri="{FF2B5EF4-FFF2-40B4-BE49-F238E27FC236}">
+                <a16:creationId xmlns:a16="http://schemas.microsoft.com/office/drawing/2014/main" id="{E153DE69-24D2-7F67-8802-A12FCB256055}"/>
+              </a:ext>
+            </a:extLst>
+          </p:cNvPr>
+          <p:cNvSpPr txBox="1"/>
+          <p:nvPr/>
+        </p:nvSpPr>
+        <p:spPr>
+          <a:xfrm>
+            <a:off x="3203537" y="7059025"/>
+            <a:ext cx="343948" cy="369332"/>
+          </a:xfrm>
+          <a:prstGeom prst="rect">
+            <a:avLst/>
+          </a:prstGeom>
+          <a:noFill/>
+        </p:spPr>
+        <p:txBody>
+          <a:bodyPr wrap="square" rtlCol="0">
+            <a:spAutoFit/>
+          </a:bodyPr>
+          <a:lstStyle/>
+          <a:p>
+            <a:pPr algn="ctr"/>
+            <a:r>
+              <a:rPr lang="en-US" dirty="0"/>
+              <a:t>*</a:t>
+            </a:r>
+          </a:p>
+        </p:txBody>
+      </p:sp>
+      <p:sp>
+        <p:nvSpPr>
+          <p:cNvPr id="29" name="TextBox 28">
+            <a:extLst>
+              <a:ext uri="{FF2B5EF4-FFF2-40B4-BE49-F238E27FC236}">
+                <a16:creationId xmlns:a16="http://schemas.microsoft.com/office/drawing/2014/main" id="{E679F721-E799-4F0E-331B-F795F676B1A8}"/>
+              </a:ext>
+            </a:extLst>
+          </p:cNvPr>
+          <p:cNvSpPr txBox="1"/>
+          <p:nvPr/>
+        </p:nvSpPr>
+        <p:spPr>
+          <a:xfrm>
+            <a:off x="5952862" y="7428357"/>
+            <a:ext cx="343948" cy="369332"/>
+          </a:xfrm>
+          <a:prstGeom prst="rect">
+            <a:avLst/>
+          </a:prstGeom>
+          <a:noFill/>
+        </p:spPr>
+        <p:txBody>
+          <a:bodyPr wrap="square" rtlCol="0">
+            <a:spAutoFit/>
+          </a:bodyPr>
+          <a:lstStyle/>
+          <a:p>
+            <a:pPr algn="ctr"/>
+            <a:r>
+              <a:rPr lang="en-US" dirty="0"/>
+              <a:t>*</a:t>
+            </a:r>
+          </a:p>
+        </p:txBody>
+      </p:sp>
+      <p:sp>
+        <p:nvSpPr>
+          <p:cNvPr id="30" name="TextBox 29">
+            <a:extLst>
+              <a:ext uri="{FF2B5EF4-FFF2-40B4-BE49-F238E27FC236}">
+                <a16:creationId xmlns:a16="http://schemas.microsoft.com/office/drawing/2014/main" id="{23A45F11-0D56-787F-B79F-3A4B97CFD361}"/>
+              </a:ext>
+            </a:extLst>
+          </p:cNvPr>
+          <p:cNvSpPr txBox="1"/>
+          <p:nvPr/>
+        </p:nvSpPr>
+        <p:spPr>
+          <a:xfrm>
+            <a:off x="5962860" y="4623386"/>
+            <a:ext cx="343948" cy="369332"/>
+          </a:xfrm>
+          <a:prstGeom prst="rect">
+            <a:avLst/>
+          </a:prstGeom>
+          <a:noFill/>
+        </p:spPr>
+        <p:txBody>
+          <a:bodyPr wrap="square" rtlCol="0">
+            <a:spAutoFit/>
+          </a:bodyPr>
+          <a:lstStyle/>
+          <a:p>
+            <a:pPr algn="ctr"/>
+            <a:r>
+              <a:rPr lang="en-US" dirty="0"/>
+              <a:t>*</a:t>
+            </a:r>
+          </a:p>
+        </p:txBody>
+      </p:sp>
+      <p:sp>
+        <p:nvSpPr>
+          <p:cNvPr id="32" name="TextBox 31">
+            <a:extLst>
+              <a:ext uri="{FF2B5EF4-FFF2-40B4-BE49-F238E27FC236}">
+                <a16:creationId xmlns:a16="http://schemas.microsoft.com/office/drawing/2014/main" id="{FF26C6C5-284D-36C5-53BC-6E650F4F612F}"/>
+              </a:ext>
+            </a:extLst>
+          </p:cNvPr>
+          <p:cNvSpPr txBox="1"/>
+          <p:nvPr/>
+        </p:nvSpPr>
+        <p:spPr>
+          <a:xfrm>
+            <a:off x="6877235" y="5705512"/>
+            <a:ext cx="343948" cy="369332"/>
+          </a:xfrm>
+          <a:prstGeom prst="rect">
+            <a:avLst/>
+          </a:prstGeom>
+          <a:noFill/>
+        </p:spPr>
+        <p:txBody>
+          <a:bodyPr wrap="square" rtlCol="0">
+            <a:spAutoFit/>
+          </a:bodyPr>
+          <a:lstStyle/>
+          <a:p>
+            <a:pPr algn="ctr"/>
+            <a:r>
+              <a:rPr lang="en-US" dirty="0"/>
+              <a:t>*</a:t>
+            </a:r>
+          </a:p>
+        </p:txBody>
+      </p:sp>
+      <p:sp>
+        <p:nvSpPr>
+          <p:cNvPr id="38" name="TextBox 37">
+            <a:extLst>
+              <a:ext uri="{FF2B5EF4-FFF2-40B4-BE49-F238E27FC236}">
+                <a16:creationId xmlns:a16="http://schemas.microsoft.com/office/drawing/2014/main" id="{125A1DFB-CBCE-C9F5-5901-5F45F4396D0F}"/>
+              </a:ext>
+            </a:extLst>
+          </p:cNvPr>
+          <p:cNvSpPr txBox="1"/>
+          <p:nvPr/>
+        </p:nvSpPr>
+        <p:spPr>
+          <a:xfrm>
+            <a:off x="6874707" y="2950645"/>
+            <a:ext cx="343948" cy="369332"/>
+          </a:xfrm>
+          <a:prstGeom prst="rect">
+            <a:avLst/>
+          </a:prstGeom>
+          <a:noFill/>
+        </p:spPr>
+        <p:txBody>
+          <a:bodyPr wrap="square" rtlCol="0">
+            <a:spAutoFit/>
+          </a:bodyPr>
+          <a:lstStyle/>
+          <a:p>
+            <a:pPr algn="ctr"/>
+            <a:r>
+              <a:rPr lang="en-US" dirty="0"/>
+              <a:t>*</a:t>
+            </a:r>
+          </a:p>
+        </p:txBody>
+      </p:sp>
+      <p:sp>
+        <p:nvSpPr>
+          <p:cNvPr id="43" name="TextBox 42">
+            <a:extLst>
+              <a:ext uri="{FF2B5EF4-FFF2-40B4-BE49-F238E27FC236}">
+                <a16:creationId xmlns:a16="http://schemas.microsoft.com/office/drawing/2014/main" id="{580BE152-3D4E-84ED-83B4-42DA95AB28E2}"/>
+              </a:ext>
+            </a:extLst>
+          </p:cNvPr>
+          <p:cNvSpPr txBox="1"/>
+          <p:nvPr/>
+        </p:nvSpPr>
+        <p:spPr>
+          <a:xfrm>
+            <a:off x="6874707" y="-31555"/>
+            <a:ext cx="343948" cy="369332"/>
+          </a:xfrm>
+          <a:prstGeom prst="rect">
+            <a:avLst/>
+          </a:prstGeom>
+          <a:noFill/>
+        </p:spPr>
+        <p:txBody>
+          <a:bodyPr wrap="square" rtlCol="0">
+            <a:spAutoFit/>
+          </a:bodyPr>
+          <a:lstStyle/>
+          <a:p>
+            <a:pPr algn="ctr"/>
+            <a:r>
+              <a:rPr lang="en-US" dirty="0"/>
+              <a:t>*</a:t>
+            </a:r>
+          </a:p>
+        </p:txBody>
+      </p:sp>
+      <p:sp>
+        <p:nvSpPr>
+          <p:cNvPr id="45" name="TextBox 44">
+            <a:extLst>
+              <a:ext uri="{FF2B5EF4-FFF2-40B4-BE49-F238E27FC236}">
+                <a16:creationId xmlns:a16="http://schemas.microsoft.com/office/drawing/2014/main" id="{1CB4C713-53F5-B0A6-21F5-D96F98A0CDA3}"/>
+              </a:ext>
+            </a:extLst>
+          </p:cNvPr>
+          <p:cNvSpPr txBox="1"/>
+          <p:nvPr/>
+        </p:nvSpPr>
+        <p:spPr>
+          <a:xfrm>
+            <a:off x="6418412" y="3986129"/>
+            <a:ext cx="343948" cy="369332"/>
+          </a:xfrm>
+          <a:prstGeom prst="rect">
+            <a:avLst/>
+          </a:prstGeom>
+          <a:noFill/>
+        </p:spPr>
+        <p:txBody>
+          <a:bodyPr wrap="square" rtlCol="0">
+            <a:spAutoFit/>
+          </a:bodyPr>
+          <a:lstStyle/>
+          <a:p>
+            <a:pPr algn="ctr"/>
+            <a:r>
+              <a:rPr lang="en-US" dirty="0"/>
+              <a:t>*</a:t>
+            </a:r>
+          </a:p>
+        </p:txBody>
+      </p:sp>
+      <p:sp>
+        <p:nvSpPr>
+          <p:cNvPr id="52" name="TextBox 51">
+            <a:extLst>
+              <a:ext uri="{FF2B5EF4-FFF2-40B4-BE49-F238E27FC236}">
+                <a16:creationId xmlns:a16="http://schemas.microsoft.com/office/drawing/2014/main" id="{DC3EFD2B-8035-3181-4995-E82EF334B9B5}"/>
+              </a:ext>
+            </a:extLst>
+          </p:cNvPr>
+          <p:cNvSpPr txBox="1"/>
+          <p:nvPr/>
+        </p:nvSpPr>
+        <p:spPr>
+          <a:xfrm>
+            <a:off x="7327719" y="1582465"/>
+            <a:ext cx="343948" cy="369332"/>
+          </a:xfrm>
+          <a:prstGeom prst="rect">
+            <a:avLst/>
+          </a:prstGeom>
+          <a:noFill/>
+        </p:spPr>
+        <p:txBody>
+          <a:bodyPr wrap="square" rtlCol="0">
+            <a:spAutoFit/>
+          </a:bodyPr>
+          <a:lstStyle/>
+          <a:p>
+            <a:pPr algn="ctr"/>
+            <a:r>
+              <a:rPr lang="en-US" dirty="0"/>
+              <a:t>*</a:t>
+            </a:r>
+          </a:p>
+        </p:txBody>
+      </p:sp>
+      <p:sp>
+        <p:nvSpPr>
+          <p:cNvPr id="53" name="TextBox 52">
+            <a:extLst>
+              <a:ext uri="{FF2B5EF4-FFF2-40B4-BE49-F238E27FC236}">
+                <a16:creationId xmlns:a16="http://schemas.microsoft.com/office/drawing/2014/main" id="{379197BA-9EE6-4AAC-7E37-E062D6694065}"/>
+              </a:ext>
+            </a:extLst>
+          </p:cNvPr>
+          <p:cNvSpPr txBox="1"/>
+          <p:nvPr/>
+        </p:nvSpPr>
+        <p:spPr>
+          <a:xfrm>
+            <a:off x="7789218" y="1575878"/>
+            <a:ext cx="343948" cy="369332"/>
+          </a:xfrm>
+          <a:prstGeom prst="rect">
+            <a:avLst/>
+          </a:prstGeom>
+          <a:noFill/>
+        </p:spPr>
+        <p:txBody>
+          <a:bodyPr wrap="square" rtlCol="0">
+            <a:spAutoFit/>
+          </a:bodyPr>
+          <a:lstStyle/>
+          <a:p>
+            <a:pPr algn="ctr"/>
+            <a:r>
+              <a:rPr lang="en-US" dirty="0"/>
+              <a:t>*</a:t>
+            </a:r>
+          </a:p>
+        </p:txBody>
+      </p:sp>
+      <p:sp>
+        <p:nvSpPr>
+          <p:cNvPr id="54" name="TextBox 53">
+            <a:extLst>
+              <a:ext uri="{FF2B5EF4-FFF2-40B4-BE49-F238E27FC236}">
+                <a16:creationId xmlns:a16="http://schemas.microsoft.com/office/drawing/2014/main" id="{8174DD12-C5F7-1EF7-B755-4936D5495F4A}"/>
+              </a:ext>
+            </a:extLst>
+          </p:cNvPr>
+          <p:cNvSpPr txBox="1"/>
+          <p:nvPr/>
+        </p:nvSpPr>
+        <p:spPr>
+          <a:xfrm>
+            <a:off x="9169052" y="6874650"/>
+            <a:ext cx="343948" cy="369332"/>
+          </a:xfrm>
+          <a:prstGeom prst="rect">
+            <a:avLst/>
+          </a:prstGeom>
+          <a:noFill/>
+        </p:spPr>
+        <p:txBody>
+          <a:bodyPr wrap="square" rtlCol="0">
+            <a:spAutoFit/>
+          </a:bodyPr>
+          <a:lstStyle/>
+          <a:p>
+            <a:pPr algn="ctr"/>
+            <a:r>
+              <a:rPr lang="en-US" dirty="0"/>
+              <a:t>*</a:t>
+            </a:r>
+          </a:p>
+        </p:txBody>
+      </p:sp>
+      <p:sp>
+        <p:nvSpPr>
+          <p:cNvPr id="55" name="TextBox 54">
+            <a:extLst>
+              <a:ext uri="{FF2B5EF4-FFF2-40B4-BE49-F238E27FC236}">
+                <a16:creationId xmlns:a16="http://schemas.microsoft.com/office/drawing/2014/main" id="{02A8FA78-9563-1D03-7CA1-387959F492CD}"/>
+              </a:ext>
+            </a:extLst>
+          </p:cNvPr>
+          <p:cNvSpPr txBox="1"/>
+          <p:nvPr/>
+        </p:nvSpPr>
+        <p:spPr>
+          <a:xfrm>
+            <a:off x="9169052" y="1140444"/>
+            <a:ext cx="343948" cy="369332"/>
+          </a:xfrm>
+          <a:prstGeom prst="rect">
+            <a:avLst/>
+          </a:prstGeom>
+          <a:noFill/>
+        </p:spPr>
+        <p:txBody>
+          <a:bodyPr wrap="square" rtlCol="0">
+            <a:spAutoFit/>
+          </a:bodyPr>
+          <a:lstStyle/>
+          <a:p>
+            <a:pPr algn="ctr"/>
+            <a:r>
+              <a:rPr lang="en-US" dirty="0"/>
+              <a:t>*</a:t>
+            </a:r>
+          </a:p>
+        </p:txBody>
+      </p:sp>
+      <p:sp>
+        <p:nvSpPr>
+          <p:cNvPr id="56" name="TextBox 55">
+            <a:extLst>
+              <a:ext uri="{FF2B5EF4-FFF2-40B4-BE49-F238E27FC236}">
+                <a16:creationId xmlns:a16="http://schemas.microsoft.com/office/drawing/2014/main" id="{CA07AC6D-DB09-9876-91E6-23879765B518}"/>
+              </a:ext>
+            </a:extLst>
+          </p:cNvPr>
+          <p:cNvSpPr txBox="1"/>
+          <p:nvPr/>
+        </p:nvSpPr>
+        <p:spPr>
+          <a:xfrm>
+            <a:off x="8718115" y="4388616"/>
+            <a:ext cx="343948" cy="369332"/>
+          </a:xfrm>
+          <a:prstGeom prst="rect">
+            <a:avLst/>
+          </a:prstGeom>
+          <a:noFill/>
+        </p:spPr>
+        <p:txBody>
+          <a:bodyPr wrap="square" rtlCol="0">
+            <a:spAutoFit/>
+          </a:bodyPr>
+          <a:lstStyle/>
+          <a:p>
+            <a:pPr algn="ctr"/>
+            <a:r>
+              <a:rPr lang="en-US" dirty="0"/>
+              <a:t>*</a:t>
+            </a:r>
+          </a:p>
+        </p:txBody>
+      </p:sp>
+      <p:sp>
+        <p:nvSpPr>
+          <p:cNvPr id="57" name="TextBox 56">
+            <a:extLst>
+              <a:ext uri="{FF2B5EF4-FFF2-40B4-BE49-F238E27FC236}">
+                <a16:creationId xmlns:a16="http://schemas.microsoft.com/office/drawing/2014/main" id="{21D59846-6069-46ED-DFEE-F2E092B7CB96}"/>
+              </a:ext>
+            </a:extLst>
+          </p:cNvPr>
+          <p:cNvSpPr txBox="1"/>
+          <p:nvPr/>
+        </p:nvSpPr>
+        <p:spPr>
+          <a:xfrm>
+            <a:off x="2748880" y="1655329"/>
+            <a:ext cx="343948" cy="369332"/>
+          </a:xfrm>
+          <a:prstGeom prst="rect">
+            <a:avLst/>
+          </a:prstGeom>
+          <a:noFill/>
+        </p:spPr>
+        <p:txBody>
+          <a:bodyPr wrap="square" rtlCol="0">
+            <a:spAutoFit/>
+          </a:bodyPr>
+          <a:lstStyle/>
+          <a:p>
+            <a:pPr algn="ctr"/>
+            <a:r>
+              <a:rPr lang="en-US" dirty="0"/>
+              <a:t>*</a:t>
+            </a:r>
+          </a:p>
+        </p:txBody>
+      </p:sp>
+      <p:sp>
+        <p:nvSpPr>
+          <p:cNvPr id="58" name="TextBox 57">
+            <a:extLst>
+              <a:ext uri="{FF2B5EF4-FFF2-40B4-BE49-F238E27FC236}">
+                <a16:creationId xmlns:a16="http://schemas.microsoft.com/office/drawing/2014/main" id="{A32EE113-A45E-E171-C5A1-F5333B40355C}"/>
+              </a:ext>
+            </a:extLst>
+          </p:cNvPr>
+          <p:cNvSpPr txBox="1"/>
+          <p:nvPr/>
+        </p:nvSpPr>
+        <p:spPr>
+          <a:xfrm>
+            <a:off x="10557211" y="1315298"/>
+            <a:ext cx="343948" cy="369332"/>
+          </a:xfrm>
+          <a:prstGeom prst="rect">
+            <a:avLst/>
+          </a:prstGeom>
+          <a:noFill/>
+        </p:spPr>
+        <p:txBody>
+          <a:bodyPr wrap="square" rtlCol="0">
+            <a:spAutoFit/>
+          </a:bodyPr>
+          <a:lstStyle/>
+          <a:p>
+            <a:pPr algn="ctr"/>
+            <a:r>
+              <a:rPr lang="en-US" dirty="0"/>
+              <a:t>*</a:t>
+            </a:r>
+          </a:p>
+        </p:txBody>
+      </p:sp>
+      <p:sp>
+        <p:nvSpPr>
+          <p:cNvPr id="59" name="TextBox 58">
+            <a:extLst>
+              <a:ext uri="{FF2B5EF4-FFF2-40B4-BE49-F238E27FC236}">
+                <a16:creationId xmlns:a16="http://schemas.microsoft.com/office/drawing/2014/main" id="{F6A2273C-79BE-1273-263D-E47EF005770D}"/>
+              </a:ext>
+            </a:extLst>
+          </p:cNvPr>
+          <p:cNvSpPr txBox="1"/>
+          <p:nvPr/>
+        </p:nvSpPr>
+        <p:spPr>
+          <a:xfrm>
+            <a:off x="14686924" y="6530370"/>
+            <a:ext cx="343948" cy="369332"/>
+          </a:xfrm>
+          <a:prstGeom prst="rect">
+            <a:avLst/>
+          </a:prstGeom>
+          <a:noFill/>
+        </p:spPr>
+        <p:txBody>
+          <a:bodyPr wrap="square" rtlCol="0">
+            <a:spAutoFit/>
+          </a:bodyPr>
+          <a:lstStyle/>
+          <a:p>
+            <a:pPr algn="ctr"/>
+            <a:r>
+              <a:rPr lang="en-US" dirty="0"/>
+              <a:t>*</a:t>
+            </a:r>
+          </a:p>
+        </p:txBody>
+      </p:sp>
+      <p:sp>
+        <p:nvSpPr>
+          <p:cNvPr id="60" name="TextBox 59">
+            <a:extLst>
+              <a:ext uri="{FF2B5EF4-FFF2-40B4-BE49-F238E27FC236}">
+                <a16:creationId xmlns:a16="http://schemas.microsoft.com/office/drawing/2014/main" id="{43661339-6A83-522D-E4CF-BB33C1EF1C46}"/>
+              </a:ext>
+            </a:extLst>
+          </p:cNvPr>
+          <p:cNvSpPr txBox="1"/>
+          <p:nvPr/>
+        </p:nvSpPr>
+        <p:spPr>
+          <a:xfrm>
+            <a:off x="5039943" y="2160131"/>
+            <a:ext cx="343948" cy="369332"/>
+          </a:xfrm>
+          <a:prstGeom prst="rect">
+            <a:avLst/>
+          </a:prstGeom>
+          <a:noFill/>
+        </p:spPr>
+        <p:txBody>
+          <a:bodyPr wrap="square" rtlCol="0">
+            <a:spAutoFit/>
+          </a:bodyPr>
+          <a:lstStyle/>
+          <a:p>
+            <a:pPr algn="ctr"/>
+            <a:r>
+              <a:rPr lang="en-US" dirty="0"/>
+              <a:t>*</a:t>
+            </a:r>
+          </a:p>
+        </p:txBody>
+      </p:sp>
+      <p:sp>
+        <p:nvSpPr>
+          <p:cNvPr id="61" name="TextBox 60">
+            <a:extLst>
+              <a:ext uri="{FF2B5EF4-FFF2-40B4-BE49-F238E27FC236}">
+                <a16:creationId xmlns:a16="http://schemas.microsoft.com/office/drawing/2014/main" id="{BE857902-5F41-C52C-C9E8-F36717FFAD4B}"/>
+              </a:ext>
+            </a:extLst>
+          </p:cNvPr>
+          <p:cNvSpPr txBox="1"/>
+          <p:nvPr/>
+        </p:nvSpPr>
+        <p:spPr>
+          <a:xfrm>
+            <a:off x="11462839" y="1325110"/>
+            <a:ext cx="343948" cy="369332"/>
+          </a:xfrm>
+          <a:prstGeom prst="rect">
+            <a:avLst/>
+          </a:prstGeom>
+          <a:noFill/>
+        </p:spPr>
+        <p:txBody>
+          <a:bodyPr wrap="square" rtlCol="0">
+            <a:spAutoFit/>
+          </a:bodyPr>
+          <a:lstStyle/>
+          <a:p>
+            <a:pPr algn="ctr"/>
+            <a:r>
+              <a:rPr lang="en-US" dirty="0"/>
+              <a:t>*</a:t>
+            </a:r>
+          </a:p>
+        </p:txBody>
+      </p:sp>
+      <p:sp>
+        <p:nvSpPr>
+          <p:cNvPr id="62" name="TextBox 61">
+            <a:extLst>
+              <a:ext uri="{FF2B5EF4-FFF2-40B4-BE49-F238E27FC236}">
+                <a16:creationId xmlns:a16="http://schemas.microsoft.com/office/drawing/2014/main" id="{73529BE2-AA66-F96F-A5AE-37AF2ACA0FB4}"/>
+              </a:ext>
+            </a:extLst>
+          </p:cNvPr>
+          <p:cNvSpPr txBox="1"/>
+          <p:nvPr/>
+        </p:nvSpPr>
+        <p:spPr>
+          <a:xfrm>
+            <a:off x="10080232" y="7014943"/>
+            <a:ext cx="343948" cy="369332"/>
+          </a:xfrm>
+          <a:prstGeom prst="rect">
+            <a:avLst/>
+          </a:prstGeom>
+          <a:noFill/>
+        </p:spPr>
+        <p:txBody>
+          <a:bodyPr wrap="square" rtlCol="0">
+            <a:spAutoFit/>
+          </a:bodyPr>
+          <a:lstStyle/>
+          <a:p>
+            <a:pPr algn="ctr"/>
+            <a:r>
+              <a:rPr lang="en-US" dirty="0"/>
+              <a:t>*</a:t>
+            </a:r>
+          </a:p>
+        </p:txBody>
+      </p:sp>
+      <p:sp>
+        <p:nvSpPr>
+          <p:cNvPr id="65" name="TextBox 64">
+            <a:extLst>
+              <a:ext uri="{FF2B5EF4-FFF2-40B4-BE49-F238E27FC236}">
+                <a16:creationId xmlns:a16="http://schemas.microsoft.com/office/drawing/2014/main" id="{16B6A868-C00E-500B-5ECA-C867F80CAFF1}"/>
+              </a:ext>
+            </a:extLst>
+          </p:cNvPr>
+          <p:cNvSpPr txBox="1"/>
+          <p:nvPr/>
+        </p:nvSpPr>
+        <p:spPr>
+          <a:xfrm>
+            <a:off x="10092758" y="1244743"/>
+            <a:ext cx="343948" cy="369332"/>
+          </a:xfrm>
+          <a:prstGeom prst="rect">
+            <a:avLst/>
+          </a:prstGeom>
+          <a:noFill/>
+        </p:spPr>
+        <p:txBody>
+          <a:bodyPr wrap="square" rtlCol="0">
+            <a:spAutoFit/>
+          </a:bodyPr>
+          <a:lstStyle/>
+          <a:p>
+            <a:pPr algn="ctr"/>
+            <a:r>
+              <a:rPr lang="en-US" dirty="0"/>
+              <a:t>*</a:t>
+            </a:r>
+          </a:p>
+        </p:txBody>
+      </p:sp>
+      <p:sp>
+        <p:nvSpPr>
+          <p:cNvPr id="66" name="TextBox 65">
+            <a:extLst>
+              <a:ext uri="{FF2B5EF4-FFF2-40B4-BE49-F238E27FC236}">
+                <a16:creationId xmlns:a16="http://schemas.microsoft.com/office/drawing/2014/main" id="{296432AB-19D2-4378-0396-4EEB4E18CA68}"/>
+              </a:ext>
+            </a:extLst>
+          </p:cNvPr>
+          <p:cNvSpPr txBox="1"/>
+          <p:nvPr/>
+        </p:nvSpPr>
+        <p:spPr>
+          <a:xfrm>
+            <a:off x="2287338" y="925228"/>
+            <a:ext cx="343948" cy="369332"/>
+          </a:xfrm>
+          <a:prstGeom prst="rect">
+            <a:avLst/>
+          </a:prstGeom>
+          <a:noFill/>
+        </p:spPr>
+        <p:txBody>
+          <a:bodyPr wrap="square" rtlCol="0">
+            <a:spAutoFit/>
+          </a:bodyPr>
+          <a:lstStyle/>
+          <a:p>
+            <a:pPr algn="ctr"/>
+            <a:r>
+              <a:rPr lang="en-US" dirty="0"/>
+              <a:t>*</a:t>
+            </a:r>
+          </a:p>
+        </p:txBody>
+      </p:sp>
+      <p:sp>
+        <p:nvSpPr>
+          <p:cNvPr id="68" name="TextBox 67">
+            <a:extLst>
+              <a:ext uri="{FF2B5EF4-FFF2-40B4-BE49-F238E27FC236}">
+                <a16:creationId xmlns:a16="http://schemas.microsoft.com/office/drawing/2014/main" id="{C6DC9D54-714B-DEB7-D7CF-744448C67EF9}"/>
+              </a:ext>
+            </a:extLst>
+          </p:cNvPr>
+          <p:cNvSpPr txBox="1"/>
+          <p:nvPr/>
+        </p:nvSpPr>
+        <p:spPr>
+          <a:xfrm>
+            <a:off x="13304396" y="6454923"/>
+            <a:ext cx="343948" cy="369332"/>
+          </a:xfrm>
+          <a:prstGeom prst="rect">
+            <a:avLst/>
+          </a:prstGeom>
+          <a:noFill/>
+        </p:spPr>
+        <p:txBody>
+          <a:bodyPr wrap="square" rtlCol="0">
+            <a:spAutoFit/>
+          </a:bodyPr>
+          <a:lstStyle/>
+          <a:p>
+            <a:pPr algn="ctr"/>
+            <a:r>
+              <a:rPr lang="en-US" dirty="0"/>
+              <a:t>*</a:t>
+            </a:r>
+          </a:p>
+        </p:txBody>
+      </p:sp>
+      <p:sp>
+        <p:nvSpPr>
+          <p:cNvPr id="69" name="TextBox 68">
+            <a:extLst>
+              <a:ext uri="{FF2B5EF4-FFF2-40B4-BE49-F238E27FC236}">
+                <a16:creationId xmlns:a16="http://schemas.microsoft.com/office/drawing/2014/main" id="{64A8A7C6-6F62-937C-C336-EB3F6270FDD6}"/>
+              </a:ext>
+            </a:extLst>
+          </p:cNvPr>
+          <p:cNvSpPr txBox="1"/>
+          <p:nvPr/>
+        </p:nvSpPr>
+        <p:spPr>
+          <a:xfrm>
+            <a:off x="13304396" y="3561593"/>
+            <a:ext cx="343948" cy="369332"/>
+          </a:xfrm>
+          <a:prstGeom prst="rect">
+            <a:avLst/>
+          </a:prstGeom>
+          <a:noFill/>
+        </p:spPr>
+        <p:txBody>
+          <a:bodyPr wrap="square" rtlCol="0">
+            <a:spAutoFit/>
+          </a:bodyPr>
+          <a:lstStyle/>
+          <a:p>
+            <a:pPr algn="ctr"/>
+            <a:r>
+              <a:rPr lang="en-US" dirty="0"/>
+              <a:t>*</a:t>
+            </a:r>
+          </a:p>
+        </p:txBody>
+      </p:sp>
+      <p:sp>
+        <p:nvSpPr>
+          <p:cNvPr id="70" name="TextBox 69">
+            <a:extLst>
+              <a:ext uri="{FF2B5EF4-FFF2-40B4-BE49-F238E27FC236}">
+                <a16:creationId xmlns:a16="http://schemas.microsoft.com/office/drawing/2014/main" id="{1DFEE04F-34D3-E8ED-1510-98354D1DC89D}"/>
+              </a:ext>
+            </a:extLst>
+          </p:cNvPr>
+          <p:cNvSpPr txBox="1"/>
+          <p:nvPr/>
+        </p:nvSpPr>
+        <p:spPr>
+          <a:xfrm>
+            <a:off x="13767683" y="6467449"/>
+            <a:ext cx="343948" cy="369332"/>
+          </a:xfrm>
+          <a:prstGeom prst="rect">
+            <a:avLst/>
+          </a:prstGeom>
+          <a:noFill/>
+        </p:spPr>
+        <p:txBody>
+          <a:bodyPr wrap="square" rtlCol="0">
+            <a:spAutoFit/>
+          </a:bodyPr>
+          <a:lstStyle/>
+          <a:p>
+            <a:pPr algn="ctr"/>
+            <a:r>
+              <a:rPr lang="en-US" dirty="0"/>
+              <a:t>*</a:t>
+            </a:r>
+          </a:p>
+        </p:txBody>
+      </p:sp>
+      <p:sp>
+        <p:nvSpPr>
+          <p:cNvPr id="71" name="TextBox 70">
+            <a:extLst>
+              <a:ext uri="{FF2B5EF4-FFF2-40B4-BE49-F238E27FC236}">
+                <a16:creationId xmlns:a16="http://schemas.microsoft.com/office/drawing/2014/main" id="{8D018DA1-218B-A638-D470-73D5216178F6}"/>
+              </a:ext>
+            </a:extLst>
+          </p:cNvPr>
+          <p:cNvSpPr txBox="1"/>
+          <p:nvPr/>
+        </p:nvSpPr>
+        <p:spPr>
+          <a:xfrm>
+            <a:off x="13767683" y="3686176"/>
+            <a:ext cx="343948" cy="369332"/>
+          </a:xfrm>
+          <a:prstGeom prst="rect">
+            <a:avLst/>
+          </a:prstGeom>
+          <a:noFill/>
+        </p:spPr>
+        <p:txBody>
+          <a:bodyPr wrap="square" rtlCol="0">
+            <a:spAutoFit/>
+          </a:bodyPr>
+          <a:lstStyle/>
+          <a:p>
+            <a:pPr algn="ctr"/>
+            <a:r>
+              <a:rPr lang="en-US" dirty="0"/>
+              <a:t>*</a:t>
+            </a:r>
+          </a:p>
+        </p:txBody>
+      </p:sp>
+      <p:sp>
+        <p:nvSpPr>
+          <p:cNvPr id="72" name="TextBox 71">
+            <a:extLst>
+              <a:ext uri="{FF2B5EF4-FFF2-40B4-BE49-F238E27FC236}">
+                <a16:creationId xmlns:a16="http://schemas.microsoft.com/office/drawing/2014/main" id="{76234A03-9E8E-BC2A-B778-6B454CFD4527}"/>
+              </a:ext>
+            </a:extLst>
+          </p:cNvPr>
+          <p:cNvSpPr txBox="1"/>
+          <p:nvPr/>
+        </p:nvSpPr>
+        <p:spPr>
+          <a:xfrm>
+            <a:off x="13767683" y="652687"/>
+            <a:ext cx="343948" cy="369332"/>
+          </a:xfrm>
+          <a:prstGeom prst="rect">
+            <a:avLst/>
+          </a:prstGeom>
+          <a:noFill/>
+        </p:spPr>
+        <p:txBody>
+          <a:bodyPr wrap="square" rtlCol="0">
+            <a:spAutoFit/>
+          </a:bodyPr>
+          <a:lstStyle/>
+          <a:p>
+            <a:pPr algn="ctr"/>
+            <a:r>
+              <a:rPr lang="en-US" dirty="0"/>
+              <a:t>*</a:t>
+            </a:r>
+          </a:p>
+        </p:txBody>
+      </p:sp>
+      <p:sp>
+        <p:nvSpPr>
+          <p:cNvPr id="73" name="TextBox 72">
+            <a:extLst>
+              <a:ext uri="{FF2B5EF4-FFF2-40B4-BE49-F238E27FC236}">
+                <a16:creationId xmlns:a16="http://schemas.microsoft.com/office/drawing/2014/main" id="{463EF4C9-E232-1B2B-70B6-DDDA27C1A734}"/>
+              </a:ext>
+            </a:extLst>
+          </p:cNvPr>
+          <p:cNvSpPr txBox="1"/>
+          <p:nvPr/>
+        </p:nvSpPr>
+        <p:spPr>
+          <a:xfrm>
+            <a:off x="14220372" y="6436371"/>
+            <a:ext cx="343948" cy="369332"/>
+          </a:xfrm>
+          <a:prstGeom prst="rect">
+            <a:avLst/>
+          </a:prstGeom>
+          <a:noFill/>
+        </p:spPr>
+        <p:txBody>
+          <a:bodyPr wrap="square" rtlCol="0">
+            <a:spAutoFit/>
+          </a:bodyPr>
+          <a:lstStyle/>
+          <a:p>
+            <a:pPr algn="ctr"/>
+            <a:r>
+              <a:rPr lang="en-US" dirty="0"/>
+              <a:t>*</a:t>
+            </a:r>
+          </a:p>
+        </p:txBody>
+      </p:sp>
+      <p:sp>
+        <p:nvSpPr>
+          <p:cNvPr id="80" name="TextBox 79">
+            <a:extLst>
+              <a:ext uri="{FF2B5EF4-FFF2-40B4-BE49-F238E27FC236}">
+                <a16:creationId xmlns:a16="http://schemas.microsoft.com/office/drawing/2014/main" id="{171CB467-AE04-66D3-03F2-9D3162457D0F}"/>
+              </a:ext>
+            </a:extLst>
+          </p:cNvPr>
+          <p:cNvSpPr txBox="1"/>
+          <p:nvPr/>
+        </p:nvSpPr>
+        <p:spPr>
+          <a:xfrm>
+            <a:off x="14220372" y="3642572"/>
+            <a:ext cx="343948" cy="369332"/>
+          </a:xfrm>
+          <a:prstGeom prst="rect">
+            <a:avLst/>
+          </a:prstGeom>
+          <a:noFill/>
+        </p:spPr>
+        <p:txBody>
+          <a:bodyPr wrap="square" rtlCol="0">
+            <a:spAutoFit/>
+          </a:bodyPr>
+          <a:lstStyle/>
+          <a:p>
+            <a:pPr algn="ctr"/>
+            <a:r>
+              <a:rPr lang="en-US" dirty="0"/>
+              <a:t>*</a:t>
+            </a:r>
+          </a:p>
+        </p:txBody>
+      </p:sp>
+      <p:sp>
+        <p:nvSpPr>
+          <p:cNvPr id="84" name="TextBox 83">
+            <a:extLst>
+              <a:ext uri="{FF2B5EF4-FFF2-40B4-BE49-F238E27FC236}">
+                <a16:creationId xmlns:a16="http://schemas.microsoft.com/office/drawing/2014/main" id="{88727E94-07CD-E215-8D41-20F0193AE7C2}"/>
+              </a:ext>
+            </a:extLst>
+          </p:cNvPr>
+          <p:cNvSpPr txBox="1"/>
+          <p:nvPr/>
+        </p:nvSpPr>
+        <p:spPr>
+          <a:xfrm>
+            <a:off x="14220372" y="684239"/>
+            <a:ext cx="343948" cy="369332"/>
+          </a:xfrm>
+          <a:prstGeom prst="rect">
+            <a:avLst/>
+          </a:prstGeom>
+          <a:noFill/>
+        </p:spPr>
+        <p:txBody>
+          <a:bodyPr wrap="square" rtlCol="0">
+            <a:spAutoFit/>
+          </a:bodyPr>
+          <a:lstStyle/>
+          <a:p>
+            <a:pPr algn="ctr"/>
+            <a:r>
+              <a:rPr lang="en-US" dirty="0"/>
+              <a:t>*</a:t>
+            </a:r>
+          </a:p>
+        </p:txBody>
+      </p:sp>
+      <p:sp>
+        <p:nvSpPr>
+          <p:cNvPr id="85" name="TextBox 84">
+            <a:extLst>
+              <a:ext uri="{FF2B5EF4-FFF2-40B4-BE49-F238E27FC236}">
+                <a16:creationId xmlns:a16="http://schemas.microsoft.com/office/drawing/2014/main" id="{D41058BF-8EAB-9875-ACF8-D05E820926AD}"/>
+              </a:ext>
+            </a:extLst>
+          </p:cNvPr>
+          <p:cNvSpPr txBox="1"/>
+          <p:nvPr/>
+        </p:nvSpPr>
+        <p:spPr>
+          <a:xfrm>
+            <a:off x="11933011" y="984441"/>
+            <a:ext cx="343948" cy="369332"/>
+          </a:xfrm>
+          <a:prstGeom prst="rect">
+            <a:avLst/>
+          </a:prstGeom>
+          <a:noFill/>
+        </p:spPr>
+        <p:txBody>
+          <a:bodyPr wrap="square" rtlCol="0">
+            <a:spAutoFit/>
+          </a:bodyPr>
+          <a:lstStyle/>
+          <a:p>
+            <a:pPr algn="ctr"/>
+            <a:r>
+              <a:rPr lang="en-US" dirty="0"/>
+              <a:t>*</a:t>
+            </a:r>
+          </a:p>
+        </p:txBody>
+      </p:sp>
+      <p:sp>
+        <p:nvSpPr>
+          <p:cNvPr id="86" name="TextBox 85">
+            <a:extLst>
+              <a:ext uri="{FF2B5EF4-FFF2-40B4-BE49-F238E27FC236}">
+                <a16:creationId xmlns:a16="http://schemas.microsoft.com/office/drawing/2014/main" id="{97D1C319-F289-E3DF-6058-5D367DD03AA8}"/>
+              </a:ext>
+            </a:extLst>
+          </p:cNvPr>
+          <p:cNvSpPr txBox="1"/>
+          <p:nvPr/>
+        </p:nvSpPr>
+        <p:spPr>
+          <a:xfrm>
+            <a:off x="12396298" y="996967"/>
+            <a:ext cx="343948" cy="369332"/>
+          </a:xfrm>
+          <a:prstGeom prst="rect">
+            <a:avLst/>
+          </a:prstGeom>
+          <a:noFill/>
+        </p:spPr>
+        <p:txBody>
+          <a:bodyPr wrap="square" rtlCol="0">
+            <a:spAutoFit/>
+          </a:bodyPr>
+          <a:lstStyle/>
+          <a:p>
+            <a:pPr algn="ctr"/>
+            <a:r>
+              <a:rPr lang="en-US" dirty="0"/>
+              <a:t>*</a:t>
+            </a:r>
+          </a:p>
+        </p:txBody>
+      </p:sp>
+      <p:sp>
+        <p:nvSpPr>
+          <p:cNvPr id="87" name="TextBox 86">
+            <a:extLst>
+              <a:ext uri="{FF2B5EF4-FFF2-40B4-BE49-F238E27FC236}">
+                <a16:creationId xmlns:a16="http://schemas.microsoft.com/office/drawing/2014/main" id="{6714549F-D95E-86F7-67DD-3F1391AE0EEB}"/>
+              </a:ext>
+            </a:extLst>
+          </p:cNvPr>
+          <p:cNvSpPr txBox="1"/>
+          <p:nvPr/>
+        </p:nvSpPr>
+        <p:spPr>
+          <a:xfrm>
+            <a:off x="9630413" y="1106242"/>
+            <a:ext cx="343948" cy="369332"/>
+          </a:xfrm>
+          <a:prstGeom prst="rect">
+            <a:avLst/>
+          </a:prstGeom>
+          <a:noFill/>
+        </p:spPr>
+        <p:txBody>
+          <a:bodyPr wrap="square" rtlCol="0">
+            <a:spAutoFit/>
+          </a:bodyPr>
+          <a:lstStyle/>
+          <a:p>
+            <a:pPr algn="ctr"/>
+            <a:r>
+              <a:rPr lang="en-US" dirty="0"/>
+              <a:t>*</a:t>
+            </a:r>
+          </a:p>
+        </p:txBody>
+      </p:sp>
+      <p:sp>
+        <p:nvSpPr>
+          <p:cNvPr id="88" name="TextBox 87">
+            <a:extLst>
+              <a:ext uri="{FF2B5EF4-FFF2-40B4-BE49-F238E27FC236}">
+                <a16:creationId xmlns:a16="http://schemas.microsoft.com/office/drawing/2014/main" id="{1F414A24-2ABE-09E7-8C18-7315D28C6D4E}"/>
+              </a:ext>
+            </a:extLst>
+          </p:cNvPr>
+          <p:cNvSpPr txBox="1"/>
+          <p:nvPr/>
+        </p:nvSpPr>
+        <p:spPr>
+          <a:xfrm>
+            <a:off x="12844191" y="725099"/>
+            <a:ext cx="343948" cy="369332"/>
+          </a:xfrm>
+          <a:prstGeom prst="rect">
+            <a:avLst/>
+          </a:prstGeom>
+          <a:noFill/>
+        </p:spPr>
+        <p:txBody>
+          <a:bodyPr wrap="square" rtlCol="0">
+            <a:spAutoFit/>
+          </a:bodyPr>
+          <a:lstStyle/>
+          <a:p>
+            <a:pPr algn="ctr"/>
+            <a:r>
+              <a:rPr lang="en-US" dirty="0"/>
+              <a:t>*</a:t>
+            </a:r>
+          </a:p>
+        </p:txBody>
+      </p:sp>
+      <p:sp>
+        <p:nvSpPr>
+          <p:cNvPr id="89" name="TextBox 88">
+            <a:extLst>
+              <a:ext uri="{FF2B5EF4-FFF2-40B4-BE49-F238E27FC236}">
+                <a16:creationId xmlns:a16="http://schemas.microsoft.com/office/drawing/2014/main" id="{CDDEA4DD-EEBB-9C2D-3F95-BE839C7A2134}"/>
+              </a:ext>
+            </a:extLst>
+          </p:cNvPr>
+          <p:cNvSpPr txBox="1"/>
+          <p:nvPr/>
+        </p:nvSpPr>
+        <p:spPr>
+          <a:xfrm>
+            <a:off x="1825784" y="1106242"/>
+            <a:ext cx="343948" cy="369332"/>
+          </a:xfrm>
+          <a:prstGeom prst="rect">
+            <a:avLst/>
+          </a:prstGeom>
+          <a:noFill/>
+        </p:spPr>
+        <p:txBody>
+          <a:bodyPr wrap="square" rtlCol="0">
+            <a:spAutoFit/>
+          </a:bodyPr>
+          <a:lstStyle/>
+          <a:p>
+            <a:pPr algn="ctr"/>
+            <a:r>
+              <a:rPr lang="en-US" dirty="0"/>
+              <a:t>*</a:t>
+            </a:r>
+          </a:p>
+        </p:txBody>
+      </p:sp>
+      <p:sp>
+        <p:nvSpPr>
+          <p:cNvPr id="90" name="TextBox 89">
+            <a:extLst>
+              <a:ext uri="{FF2B5EF4-FFF2-40B4-BE49-F238E27FC236}">
+                <a16:creationId xmlns:a16="http://schemas.microsoft.com/office/drawing/2014/main" id="{C3990259-521B-667C-5982-8D70869954EB}"/>
+              </a:ext>
+            </a:extLst>
+          </p:cNvPr>
+          <p:cNvSpPr txBox="1"/>
+          <p:nvPr/>
+        </p:nvSpPr>
+        <p:spPr>
+          <a:xfrm>
+            <a:off x="1370059" y="4509858"/>
+            <a:ext cx="343948" cy="369332"/>
+          </a:xfrm>
+          <a:prstGeom prst="rect">
+            <a:avLst/>
+          </a:prstGeom>
+          <a:noFill/>
+        </p:spPr>
+        <p:txBody>
+          <a:bodyPr wrap="square" rtlCol="0">
+            <a:spAutoFit/>
+          </a:bodyPr>
+          <a:lstStyle/>
+          <a:p>
+            <a:pPr algn="ctr"/>
+            <a:r>
+              <a:rPr lang="en-US" dirty="0"/>
+              <a:t>*</a:t>
+            </a:r>
+          </a:p>
+        </p:txBody>
+      </p:sp>
+      <p:sp>
+        <p:nvSpPr>
+          <p:cNvPr id="91" name="TextBox 90">
+            <a:extLst>
+              <a:ext uri="{FF2B5EF4-FFF2-40B4-BE49-F238E27FC236}">
+                <a16:creationId xmlns:a16="http://schemas.microsoft.com/office/drawing/2014/main" id="{5306B939-D8F2-BB57-9F4E-7FC591FBCD9A}"/>
+              </a:ext>
+            </a:extLst>
+          </p:cNvPr>
+          <p:cNvSpPr txBox="1"/>
+          <p:nvPr/>
+        </p:nvSpPr>
+        <p:spPr>
+          <a:xfrm>
+            <a:off x="9634738" y="3969595"/>
+            <a:ext cx="343948" cy="369332"/>
+          </a:xfrm>
+          <a:prstGeom prst="rect">
+            <a:avLst/>
+          </a:prstGeom>
+          <a:noFill/>
+        </p:spPr>
+        <p:txBody>
+          <a:bodyPr wrap="square" rtlCol="0">
+            <a:spAutoFit/>
+          </a:bodyPr>
+          <a:lstStyle/>
+          <a:p>
+            <a:pPr algn="ctr"/>
+            <a:r>
+              <a:rPr lang="en-US" dirty="0"/>
+              <a:t>*</a:t>
+            </a:r>
+          </a:p>
+        </p:txBody>
+      </p:sp>
+      <p:sp>
+        <p:nvSpPr>
+          <p:cNvPr id="92" name="TextBox 91">
+            <a:extLst>
+              <a:ext uri="{FF2B5EF4-FFF2-40B4-BE49-F238E27FC236}">
+                <a16:creationId xmlns:a16="http://schemas.microsoft.com/office/drawing/2014/main" id="{AC90A056-F5B9-ACCF-25F2-865E4E8DF399}"/>
+              </a:ext>
+            </a:extLst>
+          </p:cNvPr>
+          <p:cNvSpPr txBox="1"/>
+          <p:nvPr/>
+        </p:nvSpPr>
+        <p:spPr>
+          <a:xfrm>
+            <a:off x="3658396" y="6824255"/>
+            <a:ext cx="343948" cy="369332"/>
+          </a:xfrm>
+          <a:prstGeom prst="rect">
+            <a:avLst/>
+          </a:prstGeom>
+          <a:noFill/>
+        </p:spPr>
+        <p:txBody>
+          <a:bodyPr wrap="square" rtlCol="0">
+            <a:spAutoFit/>
+          </a:bodyPr>
+          <a:lstStyle/>
+          <a:p>
+            <a:pPr algn="ctr"/>
+            <a:r>
+              <a:rPr lang="en-US" dirty="0"/>
+              <a:t>*</a:t>
+            </a:r>
+          </a:p>
+        </p:txBody>
+      </p:sp>
+      <p:sp>
+        <p:nvSpPr>
+          <p:cNvPr id="93" name="TextBox 92">
+            <a:extLst>
+              <a:ext uri="{FF2B5EF4-FFF2-40B4-BE49-F238E27FC236}">
+                <a16:creationId xmlns:a16="http://schemas.microsoft.com/office/drawing/2014/main" id="{20334DA9-E5D1-B9CE-57FE-9970D6B39FC8}"/>
+              </a:ext>
+            </a:extLst>
+          </p:cNvPr>
+          <p:cNvSpPr txBox="1"/>
+          <p:nvPr/>
+        </p:nvSpPr>
+        <p:spPr>
+          <a:xfrm>
+            <a:off x="3670922" y="3973603"/>
+            <a:ext cx="343948" cy="369332"/>
+          </a:xfrm>
+          <a:prstGeom prst="rect">
+            <a:avLst/>
+          </a:prstGeom>
+          <a:noFill/>
+        </p:spPr>
+        <p:txBody>
+          <a:bodyPr wrap="square" rtlCol="0">
+            <a:spAutoFit/>
+          </a:bodyPr>
+          <a:lstStyle/>
+          <a:p>
+            <a:pPr algn="ctr"/>
+            <a:r>
+              <a:rPr lang="en-US" dirty="0"/>
+              <a:t>*</a:t>
+            </a:r>
+          </a:p>
+        </p:txBody>
+      </p:sp>
+      <p:sp>
+        <p:nvSpPr>
+          <p:cNvPr id="94" name="TextBox 93">
+            <a:extLst>
+              <a:ext uri="{FF2B5EF4-FFF2-40B4-BE49-F238E27FC236}">
+                <a16:creationId xmlns:a16="http://schemas.microsoft.com/office/drawing/2014/main" id="{8E9FEC08-8B5D-60D0-9A55-D4E7538A16F3}"/>
+              </a:ext>
+            </a:extLst>
+          </p:cNvPr>
+          <p:cNvSpPr txBox="1"/>
+          <p:nvPr/>
+        </p:nvSpPr>
+        <p:spPr>
+          <a:xfrm>
+            <a:off x="4583130" y="5726873"/>
+            <a:ext cx="343948" cy="369332"/>
+          </a:xfrm>
+          <a:prstGeom prst="rect">
+            <a:avLst/>
+          </a:prstGeom>
+          <a:noFill/>
+        </p:spPr>
+        <p:txBody>
+          <a:bodyPr wrap="square" rtlCol="0">
+            <a:spAutoFit/>
+          </a:bodyPr>
+          <a:lstStyle/>
+          <a:p>
+            <a:pPr algn="ctr"/>
+            <a:r>
+              <a:rPr lang="en-US" dirty="0"/>
+              <a:t>*</a:t>
+            </a:r>
+          </a:p>
+        </p:txBody>
+      </p:sp>
+      <p:sp>
+        <p:nvSpPr>
+          <p:cNvPr id="95" name="TextBox 94">
+            <a:extLst>
+              <a:ext uri="{FF2B5EF4-FFF2-40B4-BE49-F238E27FC236}">
+                <a16:creationId xmlns:a16="http://schemas.microsoft.com/office/drawing/2014/main" id="{A61D379C-AB2C-7536-745B-2AEA8DC2E1DE}"/>
+              </a:ext>
+            </a:extLst>
+          </p:cNvPr>
+          <p:cNvSpPr txBox="1"/>
+          <p:nvPr/>
+        </p:nvSpPr>
+        <p:spPr>
+          <a:xfrm>
+            <a:off x="4583130" y="2888015"/>
+            <a:ext cx="343948" cy="369332"/>
+          </a:xfrm>
+          <a:prstGeom prst="rect">
+            <a:avLst/>
+          </a:prstGeom>
+          <a:noFill/>
+        </p:spPr>
+        <p:txBody>
+          <a:bodyPr wrap="square" rtlCol="0">
+            <a:spAutoFit/>
+          </a:bodyPr>
+          <a:lstStyle/>
+          <a:p>
+            <a:pPr algn="ctr"/>
+            <a:r>
+              <a:rPr lang="en-US" dirty="0"/>
+              <a:t>*</a:t>
+            </a:r>
+          </a:p>
+        </p:txBody>
+      </p:sp>
+      <p:sp>
+        <p:nvSpPr>
+          <p:cNvPr id="98" name="TextBox 97">
+            <a:extLst>
+              <a:ext uri="{FF2B5EF4-FFF2-40B4-BE49-F238E27FC236}">
+                <a16:creationId xmlns:a16="http://schemas.microsoft.com/office/drawing/2014/main" id="{97D9BC29-393F-B2F4-6B94-605EC235FE51}"/>
+              </a:ext>
+            </a:extLst>
+          </p:cNvPr>
+          <p:cNvSpPr txBox="1"/>
+          <p:nvPr/>
+        </p:nvSpPr>
+        <p:spPr>
+          <a:xfrm>
+            <a:off x="4583123" y="-31555"/>
+            <a:ext cx="343948" cy="369332"/>
+          </a:xfrm>
+          <a:prstGeom prst="rect">
+            <a:avLst/>
+          </a:prstGeom>
+          <a:noFill/>
+        </p:spPr>
+        <p:txBody>
+          <a:bodyPr wrap="square" rtlCol="0">
+            <a:spAutoFit/>
+          </a:bodyPr>
+          <a:lstStyle/>
+          <a:p>
+            <a:pPr algn="ctr"/>
+            <a:r>
+              <a:rPr lang="en-US" dirty="0"/>
+              <a:t>*</a:t>
+            </a:r>
+          </a:p>
+        </p:txBody>
+      </p:sp>
+      <p:sp>
+        <p:nvSpPr>
+          <p:cNvPr id="99" name="TextBox 98">
+            <a:extLst>
+              <a:ext uri="{FF2B5EF4-FFF2-40B4-BE49-F238E27FC236}">
+                <a16:creationId xmlns:a16="http://schemas.microsoft.com/office/drawing/2014/main" id="{DBF7A753-8D38-A0BD-364C-6DF8199E0CA3}"/>
+              </a:ext>
+            </a:extLst>
+          </p:cNvPr>
+          <p:cNvSpPr txBox="1"/>
+          <p:nvPr/>
+        </p:nvSpPr>
+        <p:spPr>
+          <a:xfrm>
+            <a:off x="4124907" y="1044327"/>
+            <a:ext cx="343948" cy="369332"/>
+          </a:xfrm>
+          <a:prstGeom prst="rect">
+            <a:avLst/>
+          </a:prstGeom>
+          <a:noFill/>
+        </p:spPr>
+        <p:txBody>
+          <a:bodyPr wrap="square" rtlCol="0">
+            <a:spAutoFit/>
+          </a:bodyPr>
+          <a:lstStyle/>
+          <a:p>
+            <a:pPr algn="ctr"/>
+            <a:r>
+              <a:rPr lang="en-US" dirty="0"/>
+              <a:t>*</a:t>
+            </a:r>
+          </a:p>
+        </p:txBody>
+      </p:sp>
     </p:spTree>
     <p:extLst>
       <p:ext uri="{BB962C8B-B14F-4D97-AF65-F5344CB8AC3E}">
